--- a/docs/ui-mockups/DeveloperGuide-UiComponentParts.pptx
+++ b/docs/ui-mockups/DeveloperGuide-UiComponentParts.pptx
@@ -154,10 +154,9 @@
           </a:lstStyle>
           <a:p>
             <a:r>
-              <a:rPr lang="en-US" smtClean="0"/>
+              <a:rPr lang="en-US"/>
               <a:t>Click to edit Master title style</a:t>
             </a:r>
-            <a:endParaRPr lang="en-US"/>
           </a:p>
         </p:txBody>
       </p:sp>
@@ -219,10 +218,9 @@
           </a:lstStyle>
           <a:p>
             <a:r>
-              <a:rPr lang="en-US" smtClean="0"/>
+              <a:rPr lang="en-US"/>
               <a:t>Click to edit Master subtitle style</a:t>
             </a:r>
-            <a:endParaRPr lang="en-US"/>
           </a:p>
         </p:txBody>
       </p:sp>
@@ -243,7 +241,7 @@
           <a:p>
             <a:fld id="{AEF68D0B-3CC4-4BC8-A8C6-E01677E6793B}" type="datetimeFigureOut">
               <a:rPr lang="en-US" smtClean="0"/>
-              <a:t>10/10/2016</a:t>
+              <a:t>10/25/2016</a:t>
             </a:fld>
             <a:endParaRPr lang="en-US"/>
           </a:p>
@@ -337,10 +335,9 @@
           <a:lstStyle/>
           <a:p>
             <a:r>
-              <a:rPr lang="en-US" smtClean="0"/>
+              <a:rPr lang="en-US"/>
               <a:t>Click to edit Master title style</a:t>
             </a:r>
-            <a:endParaRPr lang="en-US"/>
           </a:p>
         </p:txBody>
       </p:sp>
@@ -361,38 +358,37 @@
           <a:p>
             <a:pPr lvl="0"/>
             <a:r>
-              <a:rPr lang="en-US" smtClean="0"/>
+              <a:rPr lang="en-US"/>
               <a:t>Click to edit Master text styles</a:t>
             </a:r>
           </a:p>
           <a:p>
             <a:pPr lvl="1"/>
             <a:r>
-              <a:rPr lang="en-US" smtClean="0"/>
+              <a:rPr lang="en-US"/>
               <a:t>Second level</a:t>
             </a:r>
           </a:p>
           <a:p>
             <a:pPr lvl="2"/>
             <a:r>
-              <a:rPr lang="en-US" smtClean="0"/>
+              <a:rPr lang="en-US"/>
               <a:t>Third level</a:t>
             </a:r>
           </a:p>
           <a:p>
             <a:pPr lvl="3"/>
             <a:r>
-              <a:rPr lang="en-US" smtClean="0"/>
+              <a:rPr lang="en-US"/>
               <a:t>Fourth level</a:t>
             </a:r>
           </a:p>
           <a:p>
             <a:pPr lvl="4"/>
             <a:r>
-              <a:rPr lang="en-US" smtClean="0"/>
+              <a:rPr lang="en-US"/>
               <a:t>Fifth level</a:t>
             </a:r>
-            <a:endParaRPr lang="en-US"/>
           </a:p>
         </p:txBody>
       </p:sp>
@@ -413,7 +409,7 @@
           <a:p>
             <a:fld id="{AEF68D0B-3CC4-4BC8-A8C6-E01677E6793B}" type="datetimeFigureOut">
               <a:rPr lang="en-US" smtClean="0"/>
-              <a:t>10/10/2016</a:t>
+              <a:t>10/25/2016</a:t>
             </a:fld>
             <a:endParaRPr lang="en-US"/>
           </a:p>
@@ -512,10 +508,9 @@
           <a:lstStyle/>
           <a:p>
             <a:r>
-              <a:rPr lang="en-US" smtClean="0"/>
+              <a:rPr lang="en-US"/>
               <a:t>Click to edit Master title style</a:t>
             </a:r>
-            <a:endParaRPr lang="en-US"/>
           </a:p>
         </p:txBody>
       </p:sp>
@@ -541,38 +536,37 @@
           <a:p>
             <a:pPr lvl="0"/>
             <a:r>
-              <a:rPr lang="en-US" smtClean="0"/>
+              <a:rPr lang="en-US"/>
               <a:t>Click to edit Master text styles</a:t>
             </a:r>
           </a:p>
           <a:p>
             <a:pPr lvl="1"/>
             <a:r>
-              <a:rPr lang="en-US" smtClean="0"/>
+              <a:rPr lang="en-US"/>
               <a:t>Second level</a:t>
             </a:r>
           </a:p>
           <a:p>
             <a:pPr lvl="2"/>
             <a:r>
-              <a:rPr lang="en-US" smtClean="0"/>
+              <a:rPr lang="en-US"/>
               <a:t>Third level</a:t>
             </a:r>
           </a:p>
           <a:p>
             <a:pPr lvl="3"/>
             <a:r>
-              <a:rPr lang="en-US" smtClean="0"/>
+              <a:rPr lang="en-US"/>
               <a:t>Fourth level</a:t>
             </a:r>
           </a:p>
           <a:p>
             <a:pPr lvl="4"/>
             <a:r>
-              <a:rPr lang="en-US" smtClean="0"/>
+              <a:rPr lang="en-US"/>
               <a:t>Fifth level</a:t>
             </a:r>
-            <a:endParaRPr lang="en-US"/>
           </a:p>
         </p:txBody>
       </p:sp>
@@ -593,7 +587,7 @@
           <a:p>
             <a:fld id="{AEF68D0B-3CC4-4BC8-A8C6-E01677E6793B}" type="datetimeFigureOut">
               <a:rPr lang="en-US" smtClean="0"/>
-              <a:t>10/10/2016</a:t>
+              <a:t>10/25/2016</a:t>
             </a:fld>
             <a:endParaRPr lang="en-US"/>
           </a:p>
@@ -687,10 +681,9 @@
           <a:lstStyle/>
           <a:p>
             <a:r>
-              <a:rPr lang="en-US" smtClean="0"/>
+              <a:rPr lang="en-US"/>
               <a:t>Click to edit Master title style</a:t>
             </a:r>
-            <a:endParaRPr lang="en-US"/>
           </a:p>
         </p:txBody>
       </p:sp>
@@ -711,38 +704,37 @@
           <a:p>
             <a:pPr lvl="0"/>
             <a:r>
-              <a:rPr lang="en-US" smtClean="0"/>
+              <a:rPr lang="en-US"/>
               <a:t>Click to edit Master text styles</a:t>
             </a:r>
           </a:p>
           <a:p>
             <a:pPr lvl="1"/>
             <a:r>
-              <a:rPr lang="en-US" smtClean="0"/>
+              <a:rPr lang="en-US"/>
               <a:t>Second level</a:t>
             </a:r>
           </a:p>
           <a:p>
             <a:pPr lvl="2"/>
             <a:r>
-              <a:rPr lang="en-US" smtClean="0"/>
+              <a:rPr lang="en-US"/>
               <a:t>Third level</a:t>
             </a:r>
           </a:p>
           <a:p>
             <a:pPr lvl="3"/>
             <a:r>
-              <a:rPr lang="en-US" smtClean="0"/>
+              <a:rPr lang="en-US"/>
               <a:t>Fourth level</a:t>
             </a:r>
           </a:p>
           <a:p>
             <a:pPr lvl="4"/>
             <a:r>
-              <a:rPr lang="en-US" smtClean="0"/>
+              <a:rPr lang="en-US"/>
               <a:t>Fifth level</a:t>
             </a:r>
-            <a:endParaRPr lang="en-US"/>
           </a:p>
         </p:txBody>
       </p:sp>
@@ -763,7 +755,7 @@
           <a:p>
             <a:fld id="{AEF68D0B-3CC4-4BC8-A8C6-E01677E6793B}" type="datetimeFigureOut">
               <a:rPr lang="en-US" smtClean="0"/>
-              <a:t>10/10/2016</a:t>
+              <a:t>10/25/2016</a:t>
             </a:fld>
             <a:endParaRPr lang="en-US"/>
           </a:p>
@@ -866,10 +858,9 @@
           </a:lstStyle>
           <a:p>
             <a:r>
-              <a:rPr lang="en-US" smtClean="0"/>
+              <a:rPr lang="en-US"/>
               <a:t>Click to edit Master title style</a:t>
             </a:r>
-            <a:endParaRPr lang="en-US"/>
           </a:p>
         </p:txBody>
       </p:sp>
@@ -986,7 +977,7 @@
           <a:p>
             <a:pPr lvl="0"/>
             <a:r>
-              <a:rPr lang="en-US" smtClean="0"/>
+              <a:rPr lang="en-US"/>
               <a:t>Click to edit Master text styles</a:t>
             </a:r>
           </a:p>
@@ -1009,7 +1000,7 @@
           <a:p>
             <a:fld id="{AEF68D0B-3CC4-4BC8-A8C6-E01677E6793B}" type="datetimeFigureOut">
               <a:rPr lang="en-US" smtClean="0"/>
-              <a:t>10/10/2016</a:t>
+              <a:t>10/25/2016</a:t>
             </a:fld>
             <a:endParaRPr lang="en-US"/>
           </a:p>
@@ -1103,10 +1094,9 @@
           <a:lstStyle/>
           <a:p>
             <a:r>
-              <a:rPr lang="en-US" smtClean="0"/>
+              <a:rPr lang="en-US"/>
               <a:t>Click to edit Master title style</a:t>
             </a:r>
-            <a:endParaRPr lang="en-US"/>
           </a:p>
         </p:txBody>
       </p:sp>
@@ -1132,38 +1122,37 @@
           <a:p>
             <a:pPr lvl="0"/>
             <a:r>
-              <a:rPr lang="en-US" smtClean="0"/>
+              <a:rPr lang="en-US"/>
               <a:t>Click to edit Master text styles</a:t>
             </a:r>
           </a:p>
           <a:p>
             <a:pPr lvl="1"/>
             <a:r>
-              <a:rPr lang="en-US" smtClean="0"/>
+              <a:rPr lang="en-US"/>
               <a:t>Second level</a:t>
             </a:r>
           </a:p>
           <a:p>
             <a:pPr lvl="2"/>
             <a:r>
-              <a:rPr lang="en-US" smtClean="0"/>
+              <a:rPr lang="en-US"/>
               <a:t>Third level</a:t>
             </a:r>
           </a:p>
           <a:p>
             <a:pPr lvl="3"/>
             <a:r>
-              <a:rPr lang="en-US" smtClean="0"/>
+              <a:rPr lang="en-US"/>
               <a:t>Fourth level</a:t>
             </a:r>
           </a:p>
           <a:p>
             <a:pPr lvl="4"/>
             <a:r>
-              <a:rPr lang="en-US" smtClean="0"/>
+              <a:rPr lang="en-US"/>
               <a:t>Fifth level</a:t>
             </a:r>
-            <a:endParaRPr lang="en-US"/>
           </a:p>
         </p:txBody>
       </p:sp>
@@ -1189,38 +1178,37 @@
           <a:p>
             <a:pPr lvl="0"/>
             <a:r>
-              <a:rPr lang="en-US" smtClean="0"/>
+              <a:rPr lang="en-US"/>
               <a:t>Click to edit Master text styles</a:t>
             </a:r>
           </a:p>
           <a:p>
             <a:pPr lvl="1"/>
             <a:r>
-              <a:rPr lang="en-US" smtClean="0"/>
+              <a:rPr lang="en-US"/>
               <a:t>Second level</a:t>
             </a:r>
           </a:p>
           <a:p>
             <a:pPr lvl="2"/>
             <a:r>
-              <a:rPr lang="en-US" smtClean="0"/>
+              <a:rPr lang="en-US"/>
               <a:t>Third level</a:t>
             </a:r>
           </a:p>
           <a:p>
             <a:pPr lvl="3"/>
             <a:r>
-              <a:rPr lang="en-US" smtClean="0"/>
+              <a:rPr lang="en-US"/>
               <a:t>Fourth level</a:t>
             </a:r>
           </a:p>
           <a:p>
             <a:pPr lvl="4"/>
             <a:r>
-              <a:rPr lang="en-US" smtClean="0"/>
+              <a:rPr lang="en-US"/>
               <a:t>Fifth level</a:t>
             </a:r>
-            <a:endParaRPr lang="en-US"/>
           </a:p>
         </p:txBody>
       </p:sp>
@@ -1241,7 +1229,7 @@
           <a:p>
             <a:fld id="{AEF68D0B-3CC4-4BC8-A8C6-E01677E6793B}" type="datetimeFigureOut">
               <a:rPr lang="en-US" smtClean="0"/>
-              <a:t>10/10/2016</a:t>
+              <a:t>10/25/2016</a:t>
             </a:fld>
             <a:endParaRPr lang="en-US"/>
           </a:p>
@@ -1340,10 +1328,9 @@
           <a:lstStyle/>
           <a:p>
             <a:r>
-              <a:rPr lang="en-US" smtClean="0"/>
+              <a:rPr lang="en-US"/>
               <a:t>Click to edit Master title style</a:t>
             </a:r>
-            <a:endParaRPr lang="en-US"/>
           </a:p>
         </p:txBody>
       </p:sp>
@@ -1406,7 +1393,7 @@
           <a:p>
             <a:pPr lvl="0"/>
             <a:r>
-              <a:rPr lang="en-US" smtClean="0"/>
+              <a:rPr lang="en-US"/>
               <a:t>Click to edit Master text styles</a:t>
             </a:r>
           </a:p>
@@ -1434,38 +1421,37 @@
           <a:p>
             <a:pPr lvl="0"/>
             <a:r>
-              <a:rPr lang="en-US" smtClean="0"/>
+              <a:rPr lang="en-US"/>
               <a:t>Click to edit Master text styles</a:t>
             </a:r>
           </a:p>
           <a:p>
             <a:pPr lvl="1"/>
             <a:r>
-              <a:rPr lang="en-US" smtClean="0"/>
+              <a:rPr lang="en-US"/>
               <a:t>Second level</a:t>
             </a:r>
           </a:p>
           <a:p>
             <a:pPr lvl="2"/>
             <a:r>
-              <a:rPr lang="en-US" smtClean="0"/>
+              <a:rPr lang="en-US"/>
               <a:t>Third level</a:t>
             </a:r>
           </a:p>
           <a:p>
             <a:pPr lvl="3"/>
             <a:r>
-              <a:rPr lang="en-US" smtClean="0"/>
+              <a:rPr lang="en-US"/>
               <a:t>Fourth level</a:t>
             </a:r>
           </a:p>
           <a:p>
             <a:pPr lvl="4"/>
             <a:r>
-              <a:rPr lang="en-US" smtClean="0"/>
+              <a:rPr lang="en-US"/>
               <a:t>Fifth level</a:t>
             </a:r>
-            <a:endParaRPr lang="en-US"/>
           </a:p>
         </p:txBody>
       </p:sp>
@@ -1528,7 +1514,7 @@
           <a:p>
             <a:pPr lvl="0"/>
             <a:r>
-              <a:rPr lang="en-US" smtClean="0"/>
+              <a:rPr lang="en-US"/>
               <a:t>Click to edit Master text styles</a:t>
             </a:r>
           </a:p>
@@ -1556,38 +1542,37 @@
           <a:p>
             <a:pPr lvl="0"/>
             <a:r>
-              <a:rPr lang="en-US" smtClean="0"/>
+              <a:rPr lang="en-US"/>
               <a:t>Click to edit Master text styles</a:t>
             </a:r>
           </a:p>
           <a:p>
             <a:pPr lvl="1"/>
             <a:r>
-              <a:rPr lang="en-US" smtClean="0"/>
+              <a:rPr lang="en-US"/>
               <a:t>Second level</a:t>
             </a:r>
           </a:p>
           <a:p>
             <a:pPr lvl="2"/>
             <a:r>
-              <a:rPr lang="en-US" smtClean="0"/>
+              <a:rPr lang="en-US"/>
               <a:t>Third level</a:t>
             </a:r>
           </a:p>
           <a:p>
             <a:pPr lvl="3"/>
             <a:r>
-              <a:rPr lang="en-US" smtClean="0"/>
+              <a:rPr lang="en-US"/>
               <a:t>Fourth level</a:t>
             </a:r>
           </a:p>
           <a:p>
             <a:pPr lvl="4"/>
             <a:r>
-              <a:rPr lang="en-US" smtClean="0"/>
+              <a:rPr lang="en-US"/>
               <a:t>Fifth level</a:t>
             </a:r>
-            <a:endParaRPr lang="en-US"/>
           </a:p>
         </p:txBody>
       </p:sp>
@@ -1608,7 +1593,7 @@
           <a:p>
             <a:fld id="{AEF68D0B-3CC4-4BC8-A8C6-E01677E6793B}" type="datetimeFigureOut">
               <a:rPr lang="en-US" smtClean="0"/>
-              <a:t>10/10/2016</a:t>
+              <a:t>10/25/2016</a:t>
             </a:fld>
             <a:endParaRPr lang="en-US"/>
           </a:p>
@@ -1702,10 +1687,9 @@
           <a:lstStyle/>
           <a:p>
             <a:r>
-              <a:rPr lang="en-US" smtClean="0"/>
+              <a:rPr lang="en-US"/>
               <a:t>Click to edit Master title style</a:t>
             </a:r>
-            <a:endParaRPr lang="en-US"/>
           </a:p>
         </p:txBody>
       </p:sp>
@@ -1726,7 +1710,7 @@
           <a:p>
             <a:fld id="{AEF68D0B-3CC4-4BC8-A8C6-E01677E6793B}" type="datetimeFigureOut">
               <a:rPr lang="en-US" smtClean="0"/>
-              <a:t>10/10/2016</a:t>
+              <a:t>10/25/2016</a:t>
             </a:fld>
             <a:endParaRPr lang="en-US"/>
           </a:p>
@@ -1821,7 +1805,7 @@
           <a:p>
             <a:fld id="{AEF68D0B-3CC4-4BC8-A8C6-E01677E6793B}" type="datetimeFigureOut">
               <a:rPr lang="en-US" smtClean="0"/>
-              <a:t>10/10/2016</a:t>
+              <a:t>10/25/2016</a:t>
             </a:fld>
             <a:endParaRPr lang="en-US"/>
           </a:p>
@@ -1924,10 +1908,9 @@
           </a:lstStyle>
           <a:p>
             <a:r>
-              <a:rPr lang="en-US" smtClean="0"/>
+              <a:rPr lang="en-US"/>
               <a:t>Click to edit Master title style</a:t>
             </a:r>
-            <a:endParaRPr lang="en-US"/>
           </a:p>
         </p:txBody>
       </p:sp>
@@ -1981,38 +1964,37 @@
           <a:p>
             <a:pPr lvl="0"/>
             <a:r>
-              <a:rPr lang="en-US" smtClean="0"/>
+              <a:rPr lang="en-US"/>
               <a:t>Click to edit Master text styles</a:t>
             </a:r>
           </a:p>
           <a:p>
             <a:pPr lvl="1"/>
             <a:r>
-              <a:rPr lang="en-US" smtClean="0"/>
+              <a:rPr lang="en-US"/>
               <a:t>Second level</a:t>
             </a:r>
           </a:p>
           <a:p>
             <a:pPr lvl="2"/>
             <a:r>
-              <a:rPr lang="en-US" smtClean="0"/>
+              <a:rPr lang="en-US"/>
               <a:t>Third level</a:t>
             </a:r>
           </a:p>
           <a:p>
             <a:pPr lvl="3"/>
             <a:r>
-              <a:rPr lang="en-US" smtClean="0"/>
+              <a:rPr lang="en-US"/>
               <a:t>Fourth level</a:t>
             </a:r>
           </a:p>
           <a:p>
             <a:pPr lvl="4"/>
             <a:r>
-              <a:rPr lang="en-US" smtClean="0"/>
+              <a:rPr lang="en-US"/>
               <a:t>Fifth level</a:t>
             </a:r>
-            <a:endParaRPr lang="en-US"/>
           </a:p>
         </p:txBody>
       </p:sp>
@@ -2075,7 +2057,7 @@
           <a:p>
             <a:pPr lvl="0"/>
             <a:r>
-              <a:rPr lang="en-US" smtClean="0"/>
+              <a:rPr lang="en-US"/>
               <a:t>Click to edit Master text styles</a:t>
             </a:r>
           </a:p>
@@ -2098,7 +2080,7 @@
           <a:p>
             <a:fld id="{AEF68D0B-3CC4-4BC8-A8C6-E01677E6793B}" type="datetimeFigureOut">
               <a:rPr lang="en-US" smtClean="0"/>
-              <a:t>10/10/2016</a:t>
+              <a:t>10/25/2016</a:t>
             </a:fld>
             <a:endParaRPr lang="en-US"/>
           </a:p>
@@ -2201,10 +2183,9 @@
           </a:lstStyle>
           <a:p>
             <a:r>
-              <a:rPr lang="en-US" smtClean="0"/>
+              <a:rPr lang="en-US"/>
               <a:t>Click to edit Master title style</a:t>
             </a:r>
-            <a:endParaRPr lang="en-US"/>
           </a:p>
         </p:txBody>
       </p:sp>
@@ -2328,7 +2309,7 @@
           <a:p>
             <a:pPr lvl="0"/>
             <a:r>
-              <a:rPr lang="en-US" smtClean="0"/>
+              <a:rPr lang="en-US"/>
               <a:t>Click to edit Master text styles</a:t>
             </a:r>
           </a:p>
@@ -2351,7 +2332,7 @@
           <a:p>
             <a:fld id="{AEF68D0B-3CC4-4BC8-A8C6-E01677E6793B}" type="datetimeFigureOut">
               <a:rPr lang="en-US" smtClean="0"/>
-              <a:t>10/10/2016</a:t>
+              <a:t>10/25/2016</a:t>
             </a:fld>
             <a:endParaRPr lang="en-US"/>
           </a:p>
@@ -2460,10 +2441,9 @@
           <a:lstStyle/>
           <a:p>
             <a:r>
-              <a:rPr lang="en-US" smtClean="0"/>
+              <a:rPr lang="en-US"/>
               <a:t>Click to edit Master title style</a:t>
             </a:r>
-            <a:endParaRPr lang="en-US"/>
           </a:p>
         </p:txBody>
       </p:sp>
@@ -2494,38 +2474,37 @@
           <a:p>
             <a:pPr lvl="0"/>
             <a:r>
-              <a:rPr lang="en-US" smtClean="0"/>
+              <a:rPr lang="en-US"/>
               <a:t>Click to edit Master text styles</a:t>
             </a:r>
           </a:p>
           <a:p>
             <a:pPr lvl="1"/>
             <a:r>
-              <a:rPr lang="en-US" smtClean="0"/>
+              <a:rPr lang="en-US"/>
               <a:t>Second level</a:t>
             </a:r>
           </a:p>
           <a:p>
             <a:pPr lvl="2"/>
             <a:r>
-              <a:rPr lang="en-US" smtClean="0"/>
+              <a:rPr lang="en-US"/>
               <a:t>Third level</a:t>
             </a:r>
           </a:p>
           <a:p>
             <a:pPr lvl="3"/>
             <a:r>
-              <a:rPr lang="en-US" smtClean="0"/>
+              <a:rPr lang="en-US"/>
               <a:t>Fourth level</a:t>
             </a:r>
           </a:p>
           <a:p>
             <a:pPr lvl="4"/>
             <a:r>
-              <a:rPr lang="en-US" smtClean="0"/>
+              <a:rPr lang="en-US"/>
               <a:t>Fifth level</a:t>
             </a:r>
-            <a:endParaRPr lang="en-US"/>
           </a:p>
         </p:txBody>
       </p:sp>
@@ -2564,7 +2543,7 @@
           <a:p>
             <a:fld id="{AEF68D0B-3CC4-4BC8-A8C6-E01677E6793B}" type="datetimeFigureOut">
               <a:rPr lang="en-US" smtClean="0"/>
-              <a:t>10/10/2016</a:t>
+              <a:t>10/25/2016</a:t>
             </a:fld>
             <a:endParaRPr lang="en-US"/>
           </a:p>
@@ -2977,8 +2956,8 @@
         </p:nvSpPr>
         <p:spPr>
           <a:xfrm>
-            <a:off x="3011214" y="740979"/>
-            <a:ext cx="5770179" cy="5129047"/>
+            <a:off x="2259892" y="898233"/>
+            <a:ext cx="6884108" cy="5129047"/>
           </a:xfrm>
           <a:prstGeom prst="rect">
             <a:avLst/>
@@ -3022,8 +3001,8 @@
         </p:nvSpPr>
         <p:spPr>
           <a:xfrm>
-            <a:off x="3011214" y="5470634"/>
-            <a:ext cx="5770179" cy="399393"/>
+            <a:off x="2259892" y="5627888"/>
+            <a:ext cx="6884108" cy="399393"/>
           </a:xfrm>
           <a:prstGeom prst="rect">
             <a:avLst/>
@@ -3056,35 +3035,8 @@
           <a:lstStyle/>
           <a:p>
             <a:pPr algn="ctr"/>
-            <a:endParaRPr lang="en-US"/>
-          </a:p>
-        </p:txBody>
-      </p:sp>
-      <p:sp>
-        <p:nvSpPr>
-          <p:cNvPr id="6" name="TextBox 5"/>
-          <p:cNvSpPr txBox="1"/>
-          <p:nvPr/>
-        </p:nvSpPr>
-        <p:spPr>
-          <a:xfrm>
-            <a:off x="5052846" y="5470634"/>
-            <a:ext cx="1686910" cy="369332"/>
-          </a:xfrm>
-          <a:prstGeom prst="rect">
-            <a:avLst/>
-          </a:prstGeom>
-          <a:noFill/>
-        </p:spPr>
-        <p:txBody>
-          <a:bodyPr wrap="square" rtlCol="0">
-            <a:spAutoFit/>
-          </a:bodyPr>
-          <a:lstStyle/>
-          <a:p>
-            <a:pPr algn="ctr"/>
-            <a:r>
-              <a:rPr lang="en-US" dirty="0" err="1" smtClean="0">
+            <a:r>
+              <a:rPr lang="en-US" dirty="0" err="1">
                 <a:solidFill>
                   <a:schemeClr val="bg1"/>
                 </a:solidFill>
@@ -3107,8 +3059,8 @@
         </p:nvSpPr>
         <p:spPr>
           <a:xfrm>
-            <a:off x="3116317" y="1198179"/>
-            <a:ext cx="5559973" cy="394138"/>
+            <a:off x="2364995" y="1355433"/>
+            <a:ext cx="6627576" cy="394138"/>
           </a:xfrm>
           <a:prstGeom prst="rect">
             <a:avLst/>
@@ -3140,7 +3092,19 @@
           <a:lstStyle/>
           <a:p>
             <a:pPr algn="ctr"/>
-            <a:endParaRPr lang="en-US"/>
+            <a:r>
+              <a:rPr lang="en-US" dirty="0" err="1">
+                <a:solidFill>
+                  <a:schemeClr val="tx1"/>
+                </a:solidFill>
+              </a:rPr>
+              <a:t>CommandBox</a:t>
+            </a:r>
+            <a:endParaRPr lang="en-US" dirty="0">
+              <a:solidFill>
+                <a:schemeClr val="tx1"/>
+              </a:solidFill>
+            </a:endParaRPr>
           </a:p>
         </p:txBody>
       </p:sp>
@@ -3152,8 +3116,8 @@
         </p:nvSpPr>
         <p:spPr>
           <a:xfrm>
-            <a:off x="3116316" y="1697421"/>
-            <a:ext cx="5559973" cy="783020"/>
+            <a:off x="2364994" y="1854675"/>
+            <a:ext cx="6627577" cy="783020"/>
           </a:xfrm>
           <a:prstGeom prst="rect">
             <a:avLst/>
@@ -3185,7 +3149,25 @@
           <a:lstStyle/>
           <a:p>
             <a:pPr algn="ctr"/>
-            <a:endParaRPr lang="en-US"/>
+            <a:r>
+              <a:rPr lang="en-US" dirty="0" err="1">
+                <a:solidFill>
+                  <a:schemeClr val="tx1">
+                    <a:lumMod val="85000"/>
+                    <a:lumOff val="15000"/>
+                  </a:schemeClr>
+                </a:solidFill>
+              </a:rPr>
+              <a:t>ResultDisplay</a:t>
+            </a:r>
+            <a:endParaRPr lang="en-US" dirty="0">
+              <a:solidFill>
+                <a:schemeClr val="tx1">
+                  <a:lumMod val="85000"/>
+                  <a:lumOff val="15000"/>
+                </a:schemeClr>
+              </a:solidFill>
+            </a:endParaRPr>
           </a:p>
         </p:txBody>
       </p:sp>
@@ -3197,8 +3179,8 @@
         </p:nvSpPr>
         <p:spPr>
           <a:xfrm>
-            <a:off x="3116316" y="2585545"/>
-            <a:ext cx="5559973" cy="2779986"/>
+            <a:off x="2364994" y="2742799"/>
+            <a:ext cx="3618187" cy="2779986"/>
           </a:xfrm>
           <a:prstGeom prst="rect">
             <a:avLst/>
@@ -3242,8 +3224,8 @@
         </p:nvSpPr>
         <p:spPr>
           <a:xfrm>
-            <a:off x="3189890" y="2659117"/>
-            <a:ext cx="5402317" cy="582589"/>
+            <a:off x="2438568" y="2816371"/>
+            <a:ext cx="3515591" cy="582589"/>
           </a:xfrm>
           <a:prstGeom prst="rect">
             <a:avLst/>
@@ -3290,8 +3272,8 @@
         </p:nvSpPr>
         <p:spPr>
           <a:xfrm>
-            <a:off x="5047593" y="2741841"/>
-            <a:ext cx="1686910" cy="369332"/>
+            <a:off x="2438567" y="2913445"/>
+            <a:ext cx="3515591" cy="369332"/>
           </a:xfrm>
           <a:prstGeom prst="rect">
             <a:avLst/>
@@ -3306,7 +3288,7 @@
           <a:p>
             <a:pPr algn="ctr"/>
             <a:r>
-              <a:rPr lang="en-US" dirty="0" err="1" smtClean="0">
+              <a:rPr lang="en-US" dirty="0" err="1">
                 <a:solidFill>
                   <a:schemeClr val="tx1">
                     <a:lumMod val="85000"/>
@@ -3335,8 +3317,8 @@
         </p:nvSpPr>
         <p:spPr>
           <a:xfrm>
-            <a:off x="5047593" y="4353173"/>
-            <a:ext cx="1686910" cy="369332"/>
+            <a:off x="2438567" y="4664703"/>
+            <a:ext cx="3467176" cy="369332"/>
           </a:xfrm>
           <a:prstGeom prst="rect">
             <a:avLst/>
@@ -3351,7 +3333,7 @@
           <a:p>
             <a:pPr algn="ctr"/>
             <a:r>
-              <a:rPr lang="en-US" dirty="0" err="1" smtClean="0">
+              <a:rPr lang="en-US" dirty="0" err="1">
                 <a:solidFill>
                   <a:schemeClr val="tx1">
                     <a:lumMod val="85000"/>
@@ -3374,14 +3356,14 @@
       </p:sp>
       <p:sp>
         <p:nvSpPr>
-          <p:cNvPr id="15" name="TextBox 14"/>
+          <p:cNvPr id="17" name="TextBox 16"/>
           <p:cNvSpPr txBox="1"/>
           <p:nvPr/>
         </p:nvSpPr>
         <p:spPr>
           <a:xfrm>
-            <a:off x="5047593" y="1904265"/>
-            <a:ext cx="1686910" cy="369332"/>
+            <a:off x="2259892" y="949315"/>
+            <a:ext cx="6884107" cy="369332"/>
           </a:xfrm>
           <a:prstGeom prst="rect">
             <a:avLst/>
@@ -3396,97 +3378,7 @@
           <a:p>
             <a:pPr algn="ctr"/>
             <a:r>
-              <a:rPr lang="en-US" dirty="0" err="1" smtClean="0">
-                <a:solidFill>
-                  <a:schemeClr val="tx1">
-                    <a:lumMod val="85000"/>
-                    <a:lumOff val="15000"/>
-                  </a:schemeClr>
-                </a:solidFill>
-              </a:rPr>
-              <a:t>ResultDisplay</a:t>
-            </a:r>
-            <a:endParaRPr lang="en-US" dirty="0">
-              <a:solidFill>
-                <a:schemeClr val="tx1">
-                  <a:lumMod val="85000"/>
-                  <a:lumOff val="15000"/>
-                </a:schemeClr>
-              </a:solidFill>
-            </a:endParaRPr>
-          </a:p>
-        </p:txBody>
-      </p:sp>
-      <p:sp>
-        <p:nvSpPr>
-          <p:cNvPr id="16" name="TextBox 15"/>
-          <p:cNvSpPr txBox="1"/>
-          <p:nvPr/>
-        </p:nvSpPr>
-        <p:spPr>
-          <a:xfrm>
-            <a:off x="5047593" y="1215311"/>
-            <a:ext cx="1686910" cy="369332"/>
-          </a:xfrm>
-          <a:prstGeom prst="rect">
-            <a:avLst/>
-          </a:prstGeom>
-          <a:noFill/>
-        </p:spPr>
-        <p:txBody>
-          <a:bodyPr wrap="square" rtlCol="0">
-            <a:spAutoFit/>
-          </a:bodyPr>
-          <a:lstStyle/>
-          <a:p>
-            <a:pPr algn="ctr"/>
-            <a:r>
-              <a:rPr lang="en-US" dirty="0" err="1" smtClean="0">
-                <a:solidFill>
-                  <a:schemeClr val="tx1">
-                    <a:lumMod val="85000"/>
-                    <a:lumOff val="15000"/>
-                  </a:schemeClr>
-                </a:solidFill>
-              </a:rPr>
-              <a:t>CommandBox</a:t>
-            </a:r>
-            <a:endParaRPr lang="en-US" dirty="0">
-              <a:solidFill>
-                <a:schemeClr val="tx1">
-                  <a:lumMod val="85000"/>
-                  <a:lumOff val="15000"/>
-                </a:schemeClr>
-              </a:solidFill>
-            </a:endParaRPr>
-          </a:p>
-        </p:txBody>
-      </p:sp>
-      <p:sp>
-        <p:nvSpPr>
-          <p:cNvPr id="17" name="TextBox 16"/>
-          <p:cNvSpPr txBox="1"/>
-          <p:nvPr/>
-        </p:nvSpPr>
-        <p:spPr>
-          <a:xfrm>
-            <a:off x="5047593" y="792061"/>
-            <a:ext cx="1686910" cy="369332"/>
-          </a:xfrm>
-          <a:prstGeom prst="rect">
-            <a:avLst/>
-          </a:prstGeom>
-          <a:noFill/>
-        </p:spPr>
-        <p:txBody>
-          <a:bodyPr wrap="square" rtlCol="0">
-            <a:spAutoFit/>
-          </a:bodyPr>
-          <a:lstStyle/>
-          <a:p>
-            <a:pPr algn="ctr"/>
-            <a:r>
-              <a:rPr lang="en-US" dirty="0" err="1" smtClean="0">
+              <a:rPr lang="en-US" dirty="0" err="1">
                 <a:solidFill>
                   <a:schemeClr val="bg1"/>
                 </a:solidFill>
@@ -3509,7 +3401,7 @@
         </p:nvSpPr>
         <p:spPr>
           <a:xfrm>
-            <a:off x="3321269" y="2751193"/>
+            <a:off x="2569947" y="2908447"/>
             <a:ext cx="425669" cy="369332"/>
           </a:xfrm>
           <a:prstGeom prst="rect">
@@ -3524,10 +3416,9 @@
           <a:lstStyle/>
           <a:p>
             <a:r>
-              <a:rPr lang="en-US" dirty="0" smtClean="0"/>
+              <a:rPr lang="en-US" dirty="0"/>
               <a:t>1.</a:t>
             </a:r>
-            <a:endParaRPr lang="en-US" dirty="0"/>
           </a:p>
         </p:txBody>
       </p:sp>
@@ -3539,8 +3430,8 @@
         </p:nvSpPr>
         <p:spPr>
           <a:xfrm>
-            <a:off x="3189890" y="3306293"/>
-            <a:ext cx="5402317" cy="582589"/>
+            <a:off x="2438568" y="3463547"/>
+            <a:ext cx="3515591" cy="582589"/>
           </a:xfrm>
           <a:prstGeom prst="rect">
             <a:avLst/>
@@ -3587,8 +3478,8 @@
         </p:nvSpPr>
         <p:spPr>
           <a:xfrm>
-            <a:off x="5047593" y="3389017"/>
-            <a:ext cx="1686910" cy="369332"/>
+            <a:off x="2438567" y="3546987"/>
+            <a:ext cx="3515591" cy="369332"/>
           </a:xfrm>
           <a:prstGeom prst="rect">
             <a:avLst/>
@@ -3603,7 +3494,7 @@
           <a:p>
             <a:pPr algn="ctr"/>
             <a:r>
-              <a:rPr lang="en-US" dirty="0" err="1" smtClean="0">
+              <a:rPr lang="en-US" dirty="0" err="1">
                 <a:solidFill>
                   <a:schemeClr val="tx1">
                     <a:lumMod val="85000"/>
@@ -3632,7 +3523,7 @@
         </p:nvSpPr>
         <p:spPr>
           <a:xfrm>
-            <a:off x="3321269" y="3398369"/>
+            <a:off x="2569947" y="3555623"/>
             <a:ext cx="425669" cy="369332"/>
           </a:xfrm>
           <a:prstGeom prst="rect">
@@ -3648,13 +3539,8 @@
           <a:p>
             <a:r>
               <a:rPr lang="en-US" dirty="0"/>
-              <a:t>2</a:t>
-            </a:r>
-            <a:r>
-              <a:rPr lang="en-US" dirty="0" smtClean="0"/>
-              <a:t>.</a:t>
-            </a:r>
-            <a:endParaRPr lang="en-US" dirty="0"/>
+              <a:t>2.</a:t>
+            </a:r>
           </a:p>
         </p:txBody>
       </p:sp>
@@ -3666,7 +3552,7 @@
         </p:nvSpPr>
         <p:spPr>
           <a:xfrm>
-            <a:off x="5707907" y="3733751"/>
+            <a:off x="4065438" y="3906876"/>
             <a:ext cx="461665" cy="841085"/>
           </a:xfrm>
           <a:prstGeom prst="rect">
@@ -3681,10 +3567,72 @@
           <a:lstStyle/>
           <a:p>
             <a:r>
-              <a:rPr lang="en-US" dirty="0" smtClean="0"/>
+              <a:rPr lang="en-US" dirty="0"/>
               <a:t>.  .  .</a:t>
             </a:r>
-            <a:endParaRPr lang="en-US" dirty="0"/>
+          </a:p>
+        </p:txBody>
+      </p:sp>
+      <p:sp>
+        <p:nvSpPr>
+          <p:cNvPr id="21" name="Rectangle 20"/>
+          <p:cNvSpPr/>
+          <p:nvPr/>
+        </p:nvSpPr>
+        <p:spPr>
+          <a:xfrm>
+            <a:off x="6085537" y="2744031"/>
+            <a:ext cx="2907033" cy="2778754"/>
+          </a:xfrm>
+          <a:prstGeom prst="rect">
+            <a:avLst/>
+          </a:prstGeom>
+          <a:solidFill>
+            <a:schemeClr val="bg1">
+              <a:lumMod val="95000"/>
+            </a:schemeClr>
+          </a:solidFill>
+        </p:spPr>
+        <p:style>
+          <a:lnRef idx="2">
+            <a:schemeClr val="accent1">
+              <a:shade val="50000"/>
+            </a:schemeClr>
+          </a:lnRef>
+          <a:fillRef idx="1">
+            <a:schemeClr val="accent1"/>
+          </a:fillRef>
+          <a:effectRef idx="0">
+            <a:schemeClr val="accent1"/>
+          </a:effectRef>
+          <a:fontRef idx="minor">
+            <a:schemeClr val="lt1"/>
+          </a:fontRef>
+        </p:style>
+        <p:txBody>
+          <a:bodyPr rtlCol="0" anchor="ctr"/>
+          <a:lstStyle/>
+          <a:p>
+            <a:pPr algn="ctr"/>
+            <a:r>
+              <a:rPr lang="en-US" dirty="0" err="1">
+                <a:solidFill>
+                  <a:schemeClr val="tx1">
+                    <a:lumMod val="85000"/>
+                    <a:lumOff val="15000"/>
+                  </a:schemeClr>
+                </a:solidFill>
+              </a:rPr>
+              <a:t>CalendarView</a:t>
+            </a:r>
+            <a:endParaRPr lang="en-US" dirty="0">
+              <a:solidFill>
+                <a:schemeClr val="tx1">
+                  <a:lumMod val="85000"/>
+                  <a:lumOff val="15000"/>
+                </a:schemeClr>
+              </a:solidFill>
+            </a:endParaRPr>
           </a:p>
         </p:txBody>
       </p:sp>

--- a/docs/ui-mockups/DeveloperGuide-UiComponentParts.pptx
+++ b/docs/ui-mockups/DeveloperGuide-UiComponentParts.pptx
@@ -243,7 +243,7 @@
           <a:p>
             <a:fld id="{AEF68D0B-3CC4-4BC8-A8C6-E01677E6793B}" type="datetimeFigureOut">
               <a:rPr lang="en-US" smtClean="0"/>
-              <a:t>10/10/2016</a:t>
+              <a:t>10/25/2016</a:t>
             </a:fld>
             <a:endParaRPr lang="en-US"/>
           </a:p>
@@ -413,7 +413,7 @@
           <a:p>
             <a:fld id="{AEF68D0B-3CC4-4BC8-A8C6-E01677E6793B}" type="datetimeFigureOut">
               <a:rPr lang="en-US" smtClean="0"/>
-              <a:t>10/10/2016</a:t>
+              <a:t>10/25/2016</a:t>
             </a:fld>
             <a:endParaRPr lang="en-US"/>
           </a:p>
@@ -593,7 +593,7 @@
           <a:p>
             <a:fld id="{AEF68D0B-3CC4-4BC8-A8C6-E01677E6793B}" type="datetimeFigureOut">
               <a:rPr lang="en-US" smtClean="0"/>
-              <a:t>10/10/2016</a:t>
+              <a:t>10/25/2016</a:t>
             </a:fld>
             <a:endParaRPr lang="en-US"/>
           </a:p>
@@ -763,7 +763,7 @@
           <a:p>
             <a:fld id="{AEF68D0B-3CC4-4BC8-A8C6-E01677E6793B}" type="datetimeFigureOut">
               <a:rPr lang="en-US" smtClean="0"/>
-              <a:t>10/10/2016</a:t>
+              <a:t>10/25/2016</a:t>
             </a:fld>
             <a:endParaRPr lang="en-US"/>
           </a:p>
@@ -1009,7 +1009,7 @@
           <a:p>
             <a:fld id="{AEF68D0B-3CC4-4BC8-A8C6-E01677E6793B}" type="datetimeFigureOut">
               <a:rPr lang="en-US" smtClean="0"/>
-              <a:t>10/10/2016</a:t>
+              <a:t>10/25/2016</a:t>
             </a:fld>
             <a:endParaRPr lang="en-US"/>
           </a:p>
@@ -1241,7 +1241,7 @@
           <a:p>
             <a:fld id="{AEF68D0B-3CC4-4BC8-A8C6-E01677E6793B}" type="datetimeFigureOut">
               <a:rPr lang="en-US" smtClean="0"/>
-              <a:t>10/10/2016</a:t>
+              <a:t>10/25/2016</a:t>
             </a:fld>
             <a:endParaRPr lang="en-US"/>
           </a:p>
@@ -1608,7 +1608,7 @@
           <a:p>
             <a:fld id="{AEF68D0B-3CC4-4BC8-A8C6-E01677E6793B}" type="datetimeFigureOut">
               <a:rPr lang="en-US" smtClean="0"/>
-              <a:t>10/10/2016</a:t>
+              <a:t>10/25/2016</a:t>
             </a:fld>
             <a:endParaRPr lang="en-US"/>
           </a:p>
@@ -1726,7 +1726,7 @@
           <a:p>
             <a:fld id="{AEF68D0B-3CC4-4BC8-A8C6-E01677E6793B}" type="datetimeFigureOut">
               <a:rPr lang="en-US" smtClean="0"/>
-              <a:t>10/10/2016</a:t>
+              <a:t>10/25/2016</a:t>
             </a:fld>
             <a:endParaRPr lang="en-US"/>
           </a:p>
@@ -1821,7 +1821,7 @@
           <a:p>
             <a:fld id="{AEF68D0B-3CC4-4BC8-A8C6-E01677E6793B}" type="datetimeFigureOut">
               <a:rPr lang="en-US" smtClean="0"/>
-              <a:t>10/10/2016</a:t>
+              <a:t>10/25/2016</a:t>
             </a:fld>
             <a:endParaRPr lang="en-US"/>
           </a:p>
@@ -2098,7 +2098,7 @@
           <a:p>
             <a:fld id="{AEF68D0B-3CC4-4BC8-A8C6-E01677E6793B}" type="datetimeFigureOut">
               <a:rPr lang="en-US" smtClean="0"/>
-              <a:t>10/10/2016</a:t>
+              <a:t>10/25/2016</a:t>
             </a:fld>
             <a:endParaRPr lang="en-US"/>
           </a:p>
@@ -2351,7 +2351,7 @@
           <a:p>
             <a:fld id="{AEF68D0B-3CC4-4BC8-A8C6-E01677E6793B}" type="datetimeFigureOut">
               <a:rPr lang="en-US" smtClean="0"/>
-              <a:t>10/10/2016</a:t>
+              <a:t>10/25/2016</a:t>
             </a:fld>
             <a:endParaRPr lang="en-US"/>
           </a:p>
@@ -2564,7 +2564,7 @@
           <a:p>
             <a:fld id="{AEF68D0B-3CC4-4BC8-A8C6-E01677E6793B}" type="datetimeFigureOut">
               <a:rPr lang="en-US" smtClean="0"/>
-              <a:t>10/10/2016</a:t>
+              <a:t>10/25/2016</a:t>
             </a:fld>
             <a:endParaRPr lang="en-US"/>
           </a:p>
@@ -3197,8 +3197,8 @@
         </p:nvSpPr>
         <p:spPr>
           <a:xfrm>
-            <a:off x="3116316" y="2585545"/>
-            <a:ext cx="5559973" cy="2779986"/>
+            <a:off x="3116317" y="2585545"/>
+            <a:ext cx="2727434" cy="2779986"/>
           </a:xfrm>
           <a:prstGeom prst="rect">
             <a:avLst/>
@@ -3242,8 +3242,8 @@
         </p:nvSpPr>
         <p:spPr>
           <a:xfrm>
-            <a:off x="3189890" y="2659117"/>
-            <a:ext cx="5402317" cy="582589"/>
+            <a:off x="3189891" y="2659117"/>
+            <a:ext cx="2575033" cy="582589"/>
           </a:xfrm>
           <a:prstGeom prst="rect">
             <a:avLst/>
@@ -3290,7 +3290,7 @@
         </p:nvSpPr>
         <p:spPr>
           <a:xfrm>
-            <a:off x="5047593" y="2741841"/>
+            <a:off x="3680458" y="2741841"/>
             <a:ext cx="1686910" cy="369332"/>
           </a:xfrm>
           <a:prstGeom prst="rect">
@@ -3335,7 +3335,7 @@
         </p:nvSpPr>
         <p:spPr>
           <a:xfrm>
-            <a:off x="5047593" y="4353173"/>
+            <a:off x="3680458" y="4353173"/>
             <a:ext cx="1686910" cy="369332"/>
           </a:xfrm>
           <a:prstGeom prst="rect">
@@ -3539,8 +3539,8 @@
         </p:nvSpPr>
         <p:spPr>
           <a:xfrm>
-            <a:off x="3189890" y="3306293"/>
-            <a:ext cx="5402317" cy="582589"/>
+            <a:off x="3189891" y="3306293"/>
+            <a:ext cx="2575033" cy="582589"/>
           </a:xfrm>
           <a:prstGeom prst="rect">
             <a:avLst/>
@@ -3587,7 +3587,7 @@
         </p:nvSpPr>
         <p:spPr>
           <a:xfrm>
-            <a:off x="5047593" y="3389017"/>
+            <a:off x="3680458" y="3389017"/>
             <a:ext cx="1686910" cy="369332"/>
           </a:xfrm>
           <a:prstGeom prst="rect">
@@ -3666,7 +3666,7 @@
         </p:nvSpPr>
         <p:spPr>
           <a:xfrm>
-            <a:off x="5707907" y="3733751"/>
+            <a:off x="4340772" y="3733751"/>
             <a:ext cx="461665" cy="841085"/>
           </a:xfrm>
           <a:prstGeom prst="rect">
@@ -3685,6 +3685,96 @@
               <a:t>.  .  .</a:t>
             </a:r>
             <a:endParaRPr lang="en-US" dirty="0"/>
+          </a:p>
+        </p:txBody>
+      </p:sp>
+      <p:sp>
+        <p:nvSpPr>
+          <p:cNvPr id="21" name="Rectangle 20"/>
+          <p:cNvSpPr/>
+          <p:nvPr/>
+        </p:nvSpPr>
+        <p:spPr>
+          <a:xfrm>
+            <a:off x="5948855" y="2588381"/>
+            <a:ext cx="2727434" cy="2779986"/>
+          </a:xfrm>
+          <a:prstGeom prst="rect">
+            <a:avLst/>
+          </a:prstGeom>
+          <a:solidFill>
+            <a:schemeClr val="bg1">
+              <a:lumMod val="85000"/>
+            </a:schemeClr>
+          </a:solidFill>
+        </p:spPr>
+        <p:style>
+          <a:lnRef idx="2">
+            <a:schemeClr val="accent1">
+              <a:shade val="50000"/>
+            </a:schemeClr>
+          </a:lnRef>
+          <a:fillRef idx="1">
+            <a:schemeClr val="accent1"/>
+          </a:fillRef>
+          <a:effectRef idx="0">
+            <a:schemeClr val="accent1"/>
+          </a:effectRef>
+          <a:fontRef idx="minor">
+            <a:schemeClr val="lt1"/>
+          </a:fontRef>
+        </p:style>
+        <p:txBody>
+          <a:bodyPr rtlCol="0" anchor="ctr"/>
+          <a:lstStyle/>
+          <a:p>
+            <a:pPr algn="ctr"/>
+            <a:endParaRPr lang="en-US"/>
+          </a:p>
+        </p:txBody>
+      </p:sp>
+      <p:sp>
+        <p:nvSpPr>
+          <p:cNvPr id="22" name="TextBox 21"/>
+          <p:cNvSpPr txBox="1"/>
+          <p:nvPr/>
+        </p:nvSpPr>
+        <p:spPr>
+          <a:xfrm>
+            <a:off x="6469117" y="3704216"/>
+            <a:ext cx="1686910" cy="369332"/>
+          </a:xfrm>
+          <a:prstGeom prst="rect">
+            <a:avLst/>
+          </a:prstGeom>
+          <a:noFill/>
+        </p:spPr>
+        <p:txBody>
+          <a:bodyPr wrap="square" rtlCol="0">
+            <a:spAutoFit/>
+          </a:bodyPr>
+          <a:lstStyle/>
+          <a:p>
+            <a:pPr algn="ctr"/>
+            <a:r>
+              <a:rPr lang="en-US" dirty="0" err="1" smtClean="0">
+                <a:solidFill>
+                  <a:schemeClr val="tx1">
+                    <a:lumMod val="85000"/>
+                    <a:lumOff val="15000"/>
+                  </a:schemeClr>
+                </a:solidFill>
+              </a:rPr>
+              <a:t>CalendarPanel</a:t>
+            </a:r>
+            <a:endParaRPr lang="en-US" dirty="0">
+              <a:solidFill>
+                <a:schemeClr val="tx1">
+                  <a:lumMod val="85000"/>
+                  <a:lumOff val="15000"/>
+                </a:schemeClr>
+              </a:solidFill>
+            </a:endParaRPr>
           </a:p>
         </p:txBody>
       </p:sp>
